--- a/Verkehrssimulation/doc/Abgabe/Präsentation.pptx
+++ b/Verkehrssimulation/doc/Abgabe/Präsentation.pptx
@@ -5,14 +5,17 @@
     <p:sldMasterId id="2147483669" r:id="rId4"/>
   </p:sldMasterIdLst>
   <p:notesMasterIdLst>
-    <p:notesMasterId r:id="rId7"/>
+    <p:notesMasterId r:id="rId10"/>
   </p:notesMasterIdLst>
   <p:handoutMasterIdLst>
-    <p:handoutMasterId r:id="rId8"/>
+    <p:handoutMasterId r:id="rId11"/>
   </p:handoutMasterIdLst>
   <p:sldIdLst>
     <p:sldId id="270" r:id="rId5"/>
-    <p:sldId id="292" r:id="rId6"/>
+    <p:sldId id="294" r:id="rId6"/>
+    <p:sldId id="292" r:id="rId7"/>
+    <p:sldId id="293" r:id="rId8"/>
+    <p:sldId id="295" r:id="rId9"/>
   </p:sldIdLst>
   <p:sldSz cx="9144000" cy="6858000" type="screen4x3"/>
   <p:notesSz cx="6797675" cy="9872663"/>
@@ -147,7 +150,10 @@
         <p14:section name="Standardabschnitt" id="{955B1ACD-AB22-497C-AE36-A768E46B174F}">
           <p14:sldIdLst>
             <p14:sldId id="270"/>
+            <p14:sldId id="294"/>
             <p14:sldId id="292"/>
+            <p14:sldId id="293"/>
+            <p14:sldId id="295"/>
           </p14:sldIdLst>
         </p14:section>
       </p14:sectionLst>
@@ -274,7 +280,7 @@
           <a:p>
             <a:fld id="{EFA0D184-D464-48E9-9CA0-A94E873F6C2C}" type="datetimeFigureOut">
               <a:rPr lang="de-CH" smtClean="0"/>
-              <a:t>07.01.15</a:t>
+              <a:t>12.01.2015</a:t>
             </a:fld>
             <a:endParaRPr lang="de-CH"/>
           </a:p>
@@ -340,7 +346,7 @@
           <a:p>
             <a:fld id="{5F377753-DB7C-4FA7-98FC-17681D88797A}" type="slidenum">
               <a:rPr lang="de-CH" smtClean="0"/>
-              <a:t>‹#›</a:t>
+              <a:t>‹Nr.›</a:t>
             </a:fld>
             <a:endParaRPr lang="de-CH"/>
           </a:p>
@@ -439,7 +445,7 @@
           <a:p>
             <a:fld id="{5AF2B663-2BA9-4D7E-8201-5DE4109E1EDD}" type="datetimeFigureOut">
               <a:rPr lang="de-CH" smtClean="0"/>
-              <a:t>07.01.15</a:t>
+              <a:t>12.01.2015</a:t>
             </a:fld>
             <a:endParaRPr lang="de-CH"/>
           </a:p>
@@ -598,7 +604,7 @@
           <a:p>
             <a:fld id="{37E44704-8E6D-4CF2-8CFA-A0F7BC751896}" type="slidenum">
               <a:rPr lang="de-CH" smtClean="0"/>
-              <a:t>‹#›</a:t>
+              <a:t>‹Nr.›</a:t>
             </a:fld>
             <a:endParaRPr lang="de-CH"/>
           </a:p>
@@ -931,14 +937,14 @@
             <a:noFill/>
           </a:ln>
           <a:extLst>
-            <a:ext uri="{909E8E84-426E-40dd-AFC4-6F175D3DCCD1}">
+            <a:ext uri="{909E8E84-426E-40DD-AFC4-6F175D3DCCD1}">
               <a14:hiddenFill xmlns:a14="http://schemas.microsoft.com/office/drawing/2010/main">
                 <a:solidFill>
                   <a:srgbClr val="FFFFFF"/>
                 </a:solidFill>
               </a14:hiddenFill>
             </a:ext>
-            <a:ext uri="{91240B29-F687-4f45-9708-019B960494DF}">
+            <a:ext uri="{91240B29-F687-4F45-9708-019B960494DF}">
               <a14:hiddenLine xmlns:a14="http://schemas.microsoft.com/office/drawing/2010/main" w="9525">
                 <a:solidFill>
                   <a:srgbClr val="000000"/>
@@ -2049,7 +2055,7 @@
           <a:p>
             <a:fld id="{F19AE9A8-34D4-4E8C-BE9C-13C550F1BED0}" type="slidenum">
               <a:rPr lang="de-CH" smtClean="0"/>
-              <a:t>‹#›</a:t>
+              <a:t>‹Nr.›</a:t>
             </a:fld>
             <a:endParaRPr lang="de-CH" dirty="0"/>
           </a:p>
@@ -2102,7 +2108,7 @@
           <a:p>
             <a:fld id="{F19AE9A8-34D4-4E8C-BE9C-13C550F1BED0}" type="slidenum">
               <a:rPr lang="de-CH" smtClean="0"/>
-              <a:t>‹#›</a:t>
+              <a:t>‹Nr.›</a:t>
             </a:fld>
             <a:endParaRPr lang="de-CH" dirty="0"/>
           </a:p>
@@ -2404,14 +2410,14 @@
             <a:noFill/>
           </a:ln>
           <a:extLst>
-            <a:ext uri="{909E8E84-426E-40dd-AFC4-6F175D3DCCD1}">
+            <a:ext uri="{909E8E84-426E-40DD-AFC4-6F175D3DCCD1}">
               <a14:hiddenFill xmlns:a14="http://schemas.microsoft.com/office/drawing/2010/main">
                 <a:solidFill>
                   <a:srgbClr val="FFFFFF"/>
                 </a:solidFill>
               </a14:hiddenFill>
             </a:ext>
-            <a:ext uri="{91240B29-F687-4f45-9708-019B960494DF}">
+            <a:ext uri="{91240B29-F687-4F45-9708-019B960494DF}">
               <a14:hiddenLine xmlns:a14="http://schemas.microsoft.com/office/drawing/2010/main" w="9525">
                 <a:solidFill>
                   <a:srgbClr val="000000"/>
@@ -3130,7 +3136,7 @@
           <a:p>
             <a:fld id="{F19AE9A8-34D4-4E8C-BE9C-13C550F1BED0}" type="slidenum">
               <a:rPr lang="de-CH" smtClean="0"/>
-              <a:t>‹#›</a:t>
+              <a:t>‹Nr.›</a:t>
             </a:fld>
             <a:endParaRPr lang="de-CH" dirty="0"/>
           </a:p>
@@ -3519,7 +3525,7 @@
           <a:p>
             <a:fld id="{F19AE9A8-34D4-4E8C-BE9C-13C550F1BED0}" type="slidenum">
               <a:rPr lang="de-CH" smtClean="0"/>
-              <a:t>‹#›</a:t>
+              <a:t>‹Nr.›</a:t>
             </a:fld>
             <a:endParaRPr lang="de-CH" dirty="0"/>
           </a:p>
@@ -3746,7 +3752,7 @@
           <a:p>
             <a:fld id="{F19AE9A8-34D4-4E8C-BE9C-13C550F1BED0}" type="slidenum">
               <a:rPr lang="de-CH" smtClean="0"/>
-              <a:t>‹#›</a:t>
+              <a:t>‹Nr.›</a:t>
             </a:fld>
             <a:endParaRPr lang="de-CH" dirty="0"/>
           </a:p>
@@ -4047,7 +4053,7 @@
           <a:p>
             <a:fld id="{F19AE9A8-34D4-4E8C-BE9C-13C550F1BED0}" type="slidenum">
               <a:rPr lang="de-CH" smtClean="0"/>
-              <a:t>‹#›</a:t>
+              <a:t>‹Nr.›</a:t>
             </a:fld>
             <a:endParaRPr lang="de-CH" dirty="0"/>
           </a:p>
@@ -4570,7 +4576,7 @@
           <a:p>
             <a:fld id="{F19AE9A8-34D4-4E8C-BE9C-13C550F1BED0}" type="slidenum">
               <a:rPr lang="de-CH" smtClean="0"/>
-              <a:t>‹#›</a:t>
+              <a:t>‹Nr.›</a:t>
             </a:fld>
             <a:endParaRPr lang="de-CH" dirty="0"/>
           </a:p>
@@ -5093,7 +5099,7 @@
           <a:p>
             <a:fld id="{F19AE9A8-34D4-4E8C-BE9C-13C550F1BED0}" type="slidenum">
               <a:rPr lang="de-CH" smtClean="0"/>
-              <a:t>‹#›</a:t>
+              <a:t>‹Nr.›</a:t>
             </a:fld>
             <a:endParaRPr lang="de-CH" dirty="0"/>
           </a:p>
@@ -5813,7 +5819,7 @@
           <a:p>
             <a:fld id="{F19AE9A8-34D4-4E8C-BE9C-13C550F1BED0}" type="slidenum">
               <a:rPr lang="de-CH" smtClean="0"/>
-              <a:t>‹#›</a:t>
+              <a:t>‹Nr.›</a:t>
             </a:fld>
             <a:endParaRPr lang="de-CH" dirty="0"/>
           </a:p>
@@ -5878,14 +5884,14 @@
             <a:noFill/>
           </a:ln>
           <a:extLst>
-            <a:ext uri="{909E8E84-426E-40dd-AFC4-6F175D3DCCD1}">
+            <a:ext uri="{909E8E84-426E-40DD-AFC4-6F175D3DCCD1}">
               <a14:hiddenFill xmlns:a14="http://schemas.microsoft.com/office/drawing/2010/main">
                 <a:solidFill>
                   <a:srgbClr val="FFFFFF"/>
                 </a:solidFill>
               </a14:hiddenFill>
             </a:ext>
-            <a:ext uri="{91240B29-F687-4f45-9708-019B960494DF}">
+            <a:ext uri="{91240B29-F687-4F45-9708-019B960494DF}">
               <a14:hiddenLine xmlns:a14="http://schemas.microsoft.com/office/drawing/2010/main" w="9525">
                 <a:solidFill>
                   <a:srgbClr val="000000"/>
@@ -6199,7 +6205,7 @@
             <a:fld id="{F19AE9A8-34D4-4E8C-BE9C-13C550F1BED0}" type="slidenum">
               <a:rPr lang="de-CH" smtClean="0"/>
               <a:pPr/>
-              <a:t>‹#›</a:t>
+              <a:t>‹Nr.›</a:t>
             </a:fld>
             <a:endParaRPr lang="de-CH" dirty="0"/>
           </a:p>
@@ -6224,7 +6230,7 @@
   <p:timing>
     <p:tnLst>
       <p:par>
-        <p:cTn xmlns:p14="http://schemas.microsoft.com/office/powerpoint/2010/main" id="1" dur="indefinite" restart="never" nodeType="tmRoot"/>
+        <p:cTn id="1" dur="indefinite" restart="never" nodeType="tmRoot"/>
       </p:par>
     </p:tnLst>
   </p:timing>
@@ -6697,11 +6703,7 @@
           <a:p>
             <a:r>
               <a:rPr lang="de-CH" dirty="0" smtClean="0"/>
-              <a:t>bublm1</a:t>
-            </a:r>
-            <a:r>
-              <a:rPr lang="de-CH" dirty="0" smtClean="0"/>
-              <a:t>, stahr2, burkt4</a:t>
+              <a:t>bublm1, stahr2, burkt4</a:t>
             </a:r>
             <a:endParaRPr lang="de-CH" dirty="0"/>
           </a:p>
@@ -6751,7 +6753,7 @@
   <p:timing>
     <p:tnLst>
       <p:par>
-        <p:cTn xmlns:p14="http://schemas.microsoft.com/office/powerpoint/2010/main" id="1" dur="indefinite" restart="never" nodeType="tmRoot"/>
+        <p:cTn id="1" dur="indefinite" restart="never" nodeType="tmRoot"/>
       </p:par>
     </p:tnLst>
   </p:timing>
@@ -6790,40 +6792,28 @@
           <a:bodyPr/>
           <a:lstStyle/>
           <a:p>
-            <a:pPr>
-              <a:lnSpc>
-                <a:spcPct val="150000"/>
-              </a:lnSpc>
-            </a:pPr>
-            <a:r>
-              <a:rPr lang="en-US" sz="2800" dirty="0" smtClean="0"/>
-              <a:t>blah</a:t>
-            </a:r>
-            <a:endParaRPr lang="en-US" sz="2800" dirty="0" smtClean="0"/>
-          </a:p>
-          <a:p>
-            <a:pPr lvl="1">
-              <a:lnSpc>
-                <a:spcPct val="150000"/>
-              </a:lnSpc>
-            </a:pPr>
-            <a:r>
-              <a:rPr lang="en-US" sz="2800" dirty="0" err="1" smtClean="0"/>
-              <a:t>Bluh</a:t>
-            </a:r>
-            <a:endParaRPr lang="en-US" sz="2800" dirty="0" smtClean="0"/>
-          </a:p>
-          <a:p>
-            <a:pPr>
-              <a:lnSpc>
-                <a:spcPct val="150000"/>
-              </a:lnSpc>
-            </a:pPr>
-            <a:r>
-              <a:rPr lang="en-US" sz="2800" dirty="0" err="1" smtClean="0"/>
-              <a:t>lol</a:t>
-            </a:r>
-            <a:endParaRPr lang="en-US" sz="2800" dirty="0"/>
+            <a:r>
+              <a:rPr lang="de-CH" sz="2800" dirty="0" smtClean="0"/>
+              <a:t>Realitätsnahe Simulation</a:t>
+            </a:r>
+          </a:p>
+          <a:p>
+            <a:r>
+              <a:rPr lang="de-CH" sz="2800" dirty="0" smtClean="0"/>
+              <a:t>Aufzeigen von Verkehrsstaus</a:t>
+            </a:r>
+          </a:p>
+          <a:p>
+            <a:r>
+              <a:rPr lang="de-CH" sz="2800" dirty="0" smtClean="0"/>
+              <a:t>Abbilden von spezifischen Szenarien</a:t>
+            </a:r>
+          </a:p>
+          <a:p>
+            <a:r>
+              <a:rPr lang="de-CH" sz="2800" dirty="0" smtClean="0"/>
+              <a:t>Visualisierung sekundär</a:t>
+            </a:r>
           </a:p>
         </p:txBody>
       </p:sp>
@@ -6844,6 +6834,293 @@
           <a:p>
             <a:r>
               <a:rPr lang="de-CH" dirty="0" smtClean="0"/>
+              <a:t>Fokus der Projektarbeit	</a:t>
+            </a:r>
+            <a:endParaRPr lang="de-CH" dirty="0"/>
+          </a:p>
+        </p:txBody>
+      </p:sp>
+      <p:pic>
+        <p:nvPicPr>
+          <p:cNvPr id="1026" name="Picture 2" descr="http://www.safetymarking.ch/images/600/535713/verkehrsschild-nach-stvo-nr-250-verbot-fuer-fahrzeuge-aller-art.jpg"/>
+          <p:cNvPicPr>
+            <a:picLocks noChangeAspect="1" noChangeArrowheads="1"/>
+          </p:cNvPicPr>
+          <p:nvPr/>
+        </p:nvPicPr>
+        <p:blipFill>
+          <a:blip r:embed="rId2">
+            <a:extLst>
+              <a:ext uri="{28A0092B-C50C-407E-A947-70E740481C1C}">
+                <a14:useLocalDpi xmlns:a14="http://schemas.microsoft.com/office/drawing/2010/main" val="0"/>
+              </a:ext>
+            </a:extLst>
+          </a:blip>
+          <a:srcRect/>
+          <a:stretch>
+            <a:fillRect/>
+          </a:stretch>
+        </p:blipFill>
+        <p:spPr bwMode="auto">
+          <a:xfrm>
+            <a:off x="7743335" y="5380893"/>
+            <a:ext cx="633046" cy="633046"/>
+          </a:xfrm>
+          <a:prstGeom prst="rect">
+            <a:avLst/>
+          </a:prstGeom>
+          <a:noFill/>
+          <a:extLst>
+            <a:ext uri="{909E8E84-426E-40DD-AFC4-6F175D3DCCD1}">
+              <a14:hiddenFill xmlns:a14="http://schemas.microsoft.com/office/drawing/2010/main">
+                <a:solidFill>
+                  <a:srgbClr val="FFFFFF"/>
+                </a:solidFill>
+              </a14:hiddenFill>
+            </a:ext>
+          </a:extLst>
+        </p:spPr>
+      </p:pic>
+      <p:pic>
+        <p:nvPicPr>
+          <p:cNvPr id="1028" name="Picture 4" descr="http://cdn-6.seton.de/ProduktImages/400px/9-/10/DMNE_VZ209-10.gif"/>
+          <p:cNvPicPr>
+            <a:picLocks noChangeAspect="1" noChangeArrowheads="1"/>
+          </p:cNvPicPr>
+          <p:nvPr/>
+        </p:nvPicPr>
+        <p:blipFill>
+          <a:blip r:embed="rId3">
+            <a:extLst>
+              <a:ext uri="{28A0092B-C50C-407E-A947-70E740481C1C}">
+                <a14:useLocalDpi xmlns:a14="http://schemas.microsoft.com/office/drawing/2010/main" val="0"/>
+              </a:ext>
+            </a:extLst>
+          </a:blip>
+          <a:srcRect/>
+          <a:stretch>
+            <a:fillRect/>
+          </a:stretch>
+        </p:blipFill>
+        <p:spPr bwMode="auto">
+          <a:xfrm>
+            <a:off x="647945" y="5095142"/>
+            <a:ext cx="764931" cy="764931"/>
+          </a:xfrm>
+          <a:prstGeom prst="rect">
+            <a:avLst/>
+          </a:prstGeom>
+          <a:noFill/>
+          <a:extLst>
+            <a:ext uri="{909E8E84-426E-40DD-AFC4-6F175D3DCCD1}">
+              <a14:hiddenFill xmlns:a14="http://schemas.microsoft.com/office/drawing/2010/main">
+                <a:solidFill>
+                  <a:srgbClr val="FFFFFF"/>
+                </a:solidFill>
+              </a14:hiddenFill>
+            </a:ext>
+          </a:extLst>
+        </p:spPr>
+      </p:pic>
+      <p:pic>
+        <p:nvPicPr>
+          <p:cNvPr id="1030" name="Picture 6" descr="http://www.safetymarking.ch/images/600/536042/verkehrsschild-nach-stvo-nr-276-ueberholverbot-fuer-kraftfahrzeuge-aller-art.jpg"/>
+          <p:cNvPicPr>
+            <a:picLocks noChangeAspect="1" noChangeArrowheads="1"/>
+          </p:cNvPicPr>
+          <p:nvPr/>
+        </p:nvPicPr>
+        <p:blipFill>
+          <a:blip r:embed="rId4">
+            <a:extLst>
+              <a:ext uri="{28A0092B-C50C-407E-A947-70E740481C1C}">
+                <a14:useLocalDpi xmlns:a14="http://schemas.microsoft.com/office/drawing/2010/main" val="0"/>
+              </a:ext>
+            </a:extLst>
+          </a:blip>
+          <a:srcRect/>
+          <a:stretch>
+            <a:fillRect/>
+          </a:stretch>
+        </p:blipFill>
+        <p:spPr bwMode="auto">
+          <a:xfrm flipH="1">
+            <a:off x="4947382" y="4136781"/>
+            <a:ext cx="958361" cy="958361"/>
+          </a:xfrm>
+          <a:prstGeom prst="rect">
+            <a:avLst/>
+          </a:prstGeom>
+          <a:noFill/>
+          <a:extLst>
+            <a:ext uri="{909E8E84-426E-40DD-AFC4-6F175D3DCCD1}">
+              <a14:hiddenFill xmlns:a14="http://schemas.microsoft.com/office/drawing/2010/main">
+                <a:solidFill>
+                  <a:srgbClr val="FFFFFF"/>
+                </a:solidFill>
+              </a14:hiddenFill>
+            </a:ext>
+          </a:extLst>
+        </p:spPr>
+      </p:pic>
+    </p:spTree>
+    <p:extLst>
+      <p:ext uri="{BB962C8B-B14F-4D97-AF65-F5344CB8AC3E}">
+        <p14:creationId xmlns:p14="http://schemas.microsoft.com/office/powerpoint/2010/main" val="126332364"/>
+      </p:ext>
+    </p:extLst>
+  </p:cSld>
+  <p:clrMapOvr>
+    <a:masterClrMapping/>
+  </p:clrMapOvr>
+  <p:timing>
+    <p:tnLst>
+      <p:par>
+        <p:cTn id="1" dur="indefinite" restart="never" nodeType="tmRoot"/>
+      </p:par>
+    </p:tnLst>
+  </p:timing>
+</p:sld>
+</file>
+
+<file path=ppt/slides/slide3.xml><?xml version="1.0" encoding="utf-8"?>
+<p:sld xmlns:a="http://schemas.openxmlformats.org/drawingml/2006/main" xmlns:r="http://schemas.openxmlformats.org/officeDocument/2006/relationships" xmlns:p="http://schemas.openxmlformats.org/presentationml/2006/main">
+  <p:cSld>
+    <p:spTree>
+      <p:nvGrpSpPr>
+        <p:cNvPr id="1" name=""/>
+        <p:cNvGrpSpPr/>
+        <p:nvPr/>
+      </p:nvGrpSpPr>
+      <p:grpSpPr>
+        <a:xfrm>
+          <a:off x="0" y="0"/>
+          <a:ext cx="0" cy="0"/>
+          <a:chOff x="0" y="0"/>
+          <a:chExt cx="0" cy="0"/>
+        </a:xfrm>
+      </p:grpSpPr>
+      <p:sp>
+        <p:nvSpPr>
+          <p:cNvPr id="2" name="Inhaltsplatzhalter 1"/>
+          <p:cNvSpPr>
+            <a:spLocks noGrp="1"/>
+          </p:cNvSpPr>
+          <p:nvPr>
+            <p:ph sz="half" idx="1"/>
+          </p:nvPr>
+        </p:nvSpPr>
+        <p:spPr/>
+        <p:txBody>
+          <a:bodyPr/>
+          <a:lstStyle/>
+          <a:p>
+            <a:pPr>
+              <a:lnSpc>
+                <a:spcPct val="150000"/>
+              </a:lnSpc>
+            </a:pPr>
+            <a:r>
+              <a:rPr lang="en-US" sz="2800" dirty="0" err="1" smtClean="0"/>
+              <a:t>Strasse</a:t>
+            </a:r>
+            <a:r>
+              <a:rPr lang="en-US" sz="2800" dirty="0" smtClean="0"/>
+              <a:t> </a:t>
+            </a:r>
+            <a:r>
+              <a:rPr lang="en-US" sz="2800" dirty="0" err="1" smtClean="0"/>
+              <a:t>besteht</a:t>
+            </a:r>
+            <a:r>
+              <a:rPr lang="en-US" sz="2800" dirty="0" smtClean="0"/>
+              <a:t> </a:t>
+            </a:r>
+            <a:r>
+              <a:rPr lang="en-US" sz="2800" dirty="0" err="1" smtClean="0"/>
+              <a:t>aus</a:t>
+            </a:r>
+            <a:r>
+              <a:rPr lang="en-US" sz="2800" dirty="0" smtClean="0"/>
+              <a:t> </a:t>
+            </a:r>
+            <a:r>
+              <a:rPr lang="en-US" sz="2800" dirty="0" err="1" smtClean="0"/>
+              <a:t>Zellen</a:t>
+            </a:r>
+            <a:endParaRPr lang="en-US" sz="2800" dirty="0" smtClean="0"/>
+          </a:p>
+          <a:p>
+            <a:pPr>
+              <a:lnSpc>
+                <a:spcPct val="150000"/>
+              </a:lnSpc>
+            </a:pPr>
+            <a:r>
+              <a:rPr lang="en-US" sz="2800" dirty="0" smtClean="0"/>
+              <a:t>Update der </a:t>
+            </a:r>
+            <a:r>
+              <a:rPr lang="en-US" sz="2800" dirty="0" err="1" smtClean="0"/>
+              <a:t>Strasse</a:t>
+            </a:r>
+            <a:r>
+              <a:rPr lang="en-US" sz="2800" dirty="0" smtClean="0"/>
+              <a:t> </a:t>
+            </a:r>
+            <a:r>
+              <a:rPr lang="en-US" sz="2800" dirty="0" err="1" smtClean="0"/>
+              <a:t>nach</a:t>
+            </a:r>
+            <a:r>
+              <a:rPr lang="en-US" sz="2800" dirty="0" smtClean="0"/>
+              <a:t> </a:t>
+            </a:r>
+            <a:r>
+              <a:rPr lang="en-US" sz="2800" dirty="0" err="1" smtClean="0"/>
+              <a:t>rudimentären</a:t>
+            </a:r>
+            <a:r>
+              <a:rPr lang="en-US" sz="2800" dirty="0" smtClean="0"/>
+              <a:t> </a:t>
+            </a:r>
+            <a:r>
+              <a:rPr lang="en-US" sz="2800" dirty="0" err="1" smtClean="0"/>
+              <a:t>Regeln</a:t>
+            </a:r>
+            <a:endParaRPr lang="en-US" sz="2800" dirty="0" smtClean="0"/>
+          </a:p>
+          <a:p>
+            <a:pPr>
+              <a:lnSpc>
+                <a:spcPct val="150000"/>
+              </a:lnSpc>
+            </a:pPr>
+            <a:r>
+              <a:rPr lang="en-US" sz="2800" dirty="0" err="1" smtClean="0"/>
+              <a:t>Einspurig</a:t>
+            </a:r>
+            <a:endParaRPr lang="en-US" sz="2800" dirty="0"/>
+          </a:p>
+        </p:txBody>
+      </p:sp>
+      <p:sp>
+        <p:nvSpPr>
+          <p:cNvPr id="3" name="Titel 2"/>
+          <p:cNvSpPr>
+            <a:spLocks noGrp="1"/>
+          </p:cNvSpPr>
+          <p:nvPr>
+            <p:ph type="ctrTitle"/>
+          </p:nvPr>
+        </p:nvSpPr>
+        <p:spPr/>
+        <p:txBody>
+          <a:bodyPr/>
+          <a:lstStyle/>
+          <a:p>
+            <a:r>
+              <a:rPr lang="de-CH" dirty="0" smtClean="0"/>
               <a:t>Nagel-</a:t>
             </a:r>
             <a:r>
@@ -6858,6 +7135,47 @@
           </a:p>
         </p:txBody>
       </p:sp>
+      <p:pic>
+        <p:nvPicPr>
+          <p:cNvPr id="1028" name="Picture 4" descr="http://www.thp.uni-koeln.de/~as/Mypage/konfig.gif"/>
+          <p:cNvPicPr>
+            <a:picLocks noChangeAspect="1" noChangeArrowheads="1"/>
+          </p:cNvPicPr>
+          <p:nvPr/>
+        </p:nvPicPr>
+        <p:blipFill>
+          <a:blip r:embed="rId2">
+            <a:extLst>
+              <a:ext uri="{28A0092B-C50C-407E-A947-70E740481C1C}">
+                <a14:useLocalDpi xmlns:a14="http://schemas.microsoft.com/office/drawing/2010/main" val="0"/>
+              </a:ext>
+            </a:extLst>
+          </a:blip>
+          <a:srcRect/>
+          <a:stretch>
+            <a:fillRect/>
+          </a:stretch>
+        </p:blipFill>
+        <p:spPr bwMode="auto">
+          <a:xfrm>
+            <a:off x="4534145" y="4918872"/>
+            <a:ext cx="3838575" cy="733426"/>
+          </a:xfrm>
+          <a:prstGeom prst="rect">
+            <a:avLst/>
+          </a:prstGeom>
+          <a:noFill/>
+          <a:extLst>
+            <a:ext uri="{909E8E84-426E-40DD-AFC4-6F175D3DCCD1}">
+              <a14:hiddenFill xmlns:a14="http://schemas.microsoft.com/office/drawing/2010/main">
+                <a:solidFill>
+                  <a:srgbClr val="FFFFFF"/>
+                </a:solidFill>
+              </a14:hiddenFill>
+            </a:ext>
+          </a:extLst>
+        </p:spPr>
+      </p:pic>
     </p:spTree>
     <p:extLst>
       <p:ext uri="{BB962C8B-B14F-4D97-AF65-F5344CB8AC3E}">
@@ -6871,7 +7189,217 @@
   <p:timing>
     <p:tnLst>
       <p:par>
-        <p:cTn xmlns:p14="http://schemas.microsoft.com/office/powerpoint/2010/main" id="1" dur="indefinite" restart="never" nodeType="tmRoot"/>
+        <p:cTn id="1" dur="indefinite" restart="never" nodeType="tmRoot"/>
+      </p:par>
+    </p:tnLst>
+  </p:timing>
+</p:sld>
+</file>
+
+<file path=ppt/slides/slide4.xml><?xml version="1.0" encoding="utf-8"?>
+<p:sld xmlns:a="http://schemas.openxmlformats.org/drawingml/2006/main" xmlns:r="http://schemas.openxmlformats.org/officeDocument/2006/relationships" xmlns:p="http://schemas.openxmlformats.org/presentationml/2006/main">
+  <p:cSld>
+    <p:spTree>
+      <p:nvGrpSpPr>
+        <p:cNvPr id="1" name=""/>
+        <p:cNvGrpSpPr/>
+        <p:nvPr/>
+      </p:nvGrpSpPr>
+      <p:grpSpPr>
+        <a:xfrm>
+          <a:off x="0" y="0"/>
+          <a:ext cx="0" cy="0"/>
+          <a:chOff x="0" y="0"/>
+          <a:chExt cx="0" cy="0"/>
+        </a:xfrm>
+      </p:grpSpPr>
+      <p:sp>
+        <p:nvSpPr>
+          <p:cNvPr id="2" name="Inhaltsplatzhalter 1"/>
+          <p:cNvSpPr>
+            <a:spLocks noGrp="1"/>
+          </p:cNvSpPr>
+          <p:nvPr>
+            <p:ph sz="half" idx="1"/>
+          </p:nvPr>
+        </p:nvSpPr>
+        <p:spPr/>
+        <p:txBody>
+          <a:bodyPr/>
+          <a:lstStyle/>
+          <a:p>
+            <a:r>
+              <a:rPr lang="de-CH" sz="2800" dirty="0" err="1" smtClean="0"/>
+              <a:t>Mehrspurigkeit</a:t>
+            </a:r>
+            <a:endParaRPr lang="de-CH" sz="2800" dirty="0" smtClean="0"/>
+          </a:p>
+          <a:p>
+            <a:r>
+              <a:rPr lang="de-CH" sz="2800" dirty="0" smtClean="0"/>
+              <a:t>Skip-List als Datenstruktur</a:t>
+            </a:r>
+          </a:p>
+          <a:p>
+            <a:r>
+              <a:rPr lang="de-CH" sz="2800" dirty="0" smtClean="0"/>
+              <a:t>Zellen eliminieren</a:t>
+            </a:r>
+          </a:p>
+          <a:p>
+            <a:r>
+              <a:rPr lang="de-CH" sz="2800" dirty="0" smtClean="0"/>
+              <a:t>Überholmanöver</a:t>
+            </a:r>
+            <a:endParaRPr lang="de-CH" sz="2800" dirty="0"/>
+          </a:p>
+        </p:txBody>
+      </p:sp>
+      <p:sp>
+        <p:nvSpPr>
+          <p:cNvPr id="3" name="Titel 2"/>
+          <p:cNvSpPr>
+            <a:spLocks noGrp="1"/>
+          </p:cNvSpPr>
+          <p:nvPr>
+            <p:ph type="ctrTitle"/>
+          </p:nvPr>
+        </p:nvSpPr>
+        <p:spPr/>
+        <p:txBody>
+          <a:bodyPr/>
+          <a:lstStyle/>
+          <a:p>
+            <a:r>
+              <a:rPr lang="de-CH" dirty="0" smtClean="0"/>
+              <a:t>Erweiterung Nagel-</a:t>
+            </a:r>
+            <a:r>
+              <a:rPr lang="de-CH" dirty="0" err="1" smtClean="0"/>
+              <a:t>Schreckenberg</a:t>
+            </a:r>
+            <a:r>
+              <a:rPr lang="de-CH" dirty="0" smtClean="0"/>
+              <a:t>-Modell</a:t>
+            </a:r>
+            <a:endParaRPr lang="de-CH" dirty="0"/>
+          </a:p>
+        </p:txBody>
+      </p:sp>
+    </p:spTree>
+    <p:extLst>
+      <p:ext uri="{BB962C8B-B14F-4D97-AF65-F5344CB8AC3E}">
+        <p14:creationId xmlns:p14="http://schemas.microsoft.com/office/powerpoint/2010/main" val="3371854334"/>
+      </p:ext>
+    </p:extLst>
+  </p:cSld>
+  <p:clrMapOvr>
+    <a:masterClrMapping/>
+  </p:clrMapOvr>
+  <p:timing>
+    <p:tnLst>
+      <p:par>
+        <p:cTn id="1" dur="indefinite" restart="never" nodeType="tmRoot"/>
+      </p:par>
+    </p:tnLst>
+  </p:timing>
+</p:sld>
+</file>
+
+<file path=ppt/slides/slide5.xml><?xml version="1.0" encoding="utf-8"?>
+<p:sld xmlns:a="http://schemas.openxmlformats.org/drawingml/2006/main" xmlns:r="http://schemas.openxmlformats.org/officeDocument/2006/relationships" xmlns:p="http://schemas.openxmlformats.org/presentationml/2006/main">
+  <p:cSld>
+    <p:spTree>
+      <p:nvGrpSpPr>
+        <p:cNvPr id="1" name=""/>
+        <p:cNvGrpSpPr/>
+        <p:nvPr/>
+      </p:nvGrpSpPr>
+      <p:grpSpPr>
+        <a:xfrm>
+          <a:off x="0" y="0"/>
+          <a:ext cx="0" cy="0"/>
+          <a:chOff x="0" y="0"/>
+          <a:chExt cx="0" cy="0"/>
+        </a:xfrm>
+      </p:grpSpPr>
+      <p:sp>
+        <p:nvSpPr>
+          <p:cNvPr id="3" name="Titel 2"/>
+          <p:cNvSpPr>
+            <a:spLocks noGrp="1"/>
+          </p:cNvSpPr>
+          <p:nvPr>
+            <p:ph type="ctrTitle"/>
+          </p:nvPr>
+        </p:nvSpPr>
+        <p:spPr/>
+        <p:txBody>
+          <a:bodyPr/>
+          <a:lstStyle/>
+          <a:p>
+            <a:r>
+              <a:rPr lang="de-CH" dirty="0" smtClean="0"/>
+              <a:t>Demo</a:t>
+            </a:r>
+            <a:endParaRPr lang="de-CH" dirty="0"/>
+          </a:p>
+        </p:txBody>
+      </p:sp>
+      <p:pic>
+        <p:nvPicPr>
+          <p:cNvPr id="4" name="Picture 1"/>
+          <p:cNvPicPr>
+            <a:picLocks noGrp="1"/>
+          </p:cNvPicPr>
+          <p:nvPr>
+            <p:ph sz="half" idx="1"/>
+          </p:nvPr>
+        </p:nvPicPr>
+        <p:blipFill rotWithShape="1">
+          <a:blip r:embed="rId2">
+            <a:extLst>
+              <a:ext uri="{28A0092B-C50C-407E-A947-70E740481C1C}">
+                <a14:useLocalDpi xmlns:a14="http://schemas.microsoft.com/office/drawing/2010/main" val="0"/>
+              </a:ext>
+            </a:extLst>
+          </a:blip>
+          <a:srcRect t="636" b="531"/>
+          <a:stretch/>
+        </p:blipFill>
+        <p:spPr bwMode="auto">
+          <a:xfrm>
+            <a:off x="468313" y="2264965"/>
+            <a:ext cx="8099425" cy="3029745"/>
+          </a:xfrm>
+          <a:prstGeom prst="rect">
+            <a:avLst/>
+          </a:prstGeom>
+          <a:noFill/>
+          <a:ln>
+            <a:noFill/>
+          </a:ln>
+          <a:extLst>
+            <a:ext uri="{53640926-AAD7-44D8-BBD7-CCE9431645EC}">
+              <a14:shadowObscured xmlns:a14="http://schemas.microsoft.com/office/drawing/2010/main"/>
+            </a:ext>
+          </a:extLst>
+        </p:spPr>
+      </p:pic>
+    </p:spTree>
+    <p:extLst>
+      <p:ext uri="{BB962C8B-B14F-4D97-AF65-F5344CB8AC3E}">
+        <p14:creationId xmlns:p14="http://schemas.microsoft.com/office/powerpoint/2010/main" val="851897132"/>
+      </p:ext>
+    </p:extLst>
+  </p:cSld>
+  <p:clrMapOvr>
+    <a:masterClrMapping/>
+  </p:clrMapOvr>
+  <p:timing>
+    <p:tnLst>
+      <p:par>
+        <p:cTn id="1" dur="indefinite" restart="never" nodeType="tmRoot"/>
       </p:par>
     </p:tnLst>
   </p:timing>
